--- a/Research School/Retreat/Fall 2014/retreat draft 4/Scenario relations.pptx
+++ b/Research School/Retreat/Fall 2014/retreat draft 4/Scenario relations.pptx
@@ -6,6 +6,7 @@
   </p:sldMasterIdLst>
   <p:sldIdLst>
     <p:sldId id="256" r:id="rId2"/>
+    <p:sldId id="257" r:id="rId3"/>
   </p:sldIdLst>
   <p:sldSz cx="9144000" cy="6858000" type="screen4x3"/>
   <p:notesSz cx="6858000" cy="9144000"/>
@@ -288,7 +289,7 @@
           <a:p>
             <a:fld id="{1617007B-AE2D-44C1-A622-3C80783AE921}" type="datetimeFigureOut">
               <a:rPr lang="de-DE" smtClean="0"/>
-              <a:t>10.09.2014</a:t>
+              <a:t>19.09.2014</a:t>
             </a:fld>
             <a:endParaRPr lang="de-DE"/>
           </a:p>
@@ -458,7 +459,7 @@
           <a:p>
             <a:fld id="{1617007B-AE2D-44C1-A622-3C80783AE921}" type="datetimeFigureOut">
               <a:rPr lang="de-DE" smtClean="0"/>
-              <a:t>10.09.2014</a:t>
+              <a:t>19.09.2014</a:t>
             </a:fld>
             <a:endParaRPr lang="de-DE"/>
           </a:p>
@@ -638,7 +639,7 @@
           <a:p>
             <a:fld id="{1617007B-AE2D-44C1-A622-3C80783AE921}" type="datetimeFigureOut">
               <a:rPr lang="de-DE" smtClean="0"/>
-              <a:t>10.09.2014</a:t>
+              <a:t>19.09.2014</a:t>
             </a:fld>
             <a:endParaRPr lang="de-DE"/>
           </a:p>
@@ -808,7 +809,7 @@
           <a:p>
             <a:fld id="{1617007B-AE2D-44C1-A622-3C80783AE921}" type="datetimeFigureOut">
               <a:rPr lang="de-DE" smtClean="0"/>
-              <a:t>10.09.2014</a:t>
+              <a:t>19.09.2014</a:t>
             </a:fld>
             <a:endParaRPr lang="de-DE"/>
           </a:p>
@@ -1054,7 +1055,7 @@
           <a:p>
             <a:fld id="{1617007B-AE2D-44C1-A622-3C80783AE921}" type="datetimeFigureOut">
               <a:rPr lang="de-DE" smtClean="0"/>
-              <a:t>10.09.2014</a:t>
+              <a:t>19.09.2014</a:t>
             </a:fld>
             <a:endParaRPr lang="de-DE"/>
           </a:p>
@@ -1342,7 +1343,7 @@
           <a:p>
             <a:fld id="{1617007B-AE2D-44C1-A622-3C80783AE921}" type="datetimeFigureOut">
               <a:rPr lang="de-DE" smtClean="0"/>
-              <a:t>10.09.2014</a:t>
+              <a:t>19.09.2014</a:t>
             </a:fld>
             <a:endParaRPr lang="de-DE"/>
           </a:p>
@@ -1764,7 +1765,7 @@
           <a:p>
             <a:fld id="{1617007B-AE2D-44C1-A622-3C80783AE921}" type="datetimeFigureOut">
               <a:rPr lang="de-DE" smtClean="0"/>
-              <a:t>10.09.2014</a:t>
+              <a:t>19.09.2014</a:t>
             </a:fld>
             <a:endParaRPr lang="de-DE"/>
           </a:p>
@@ -1882,7 +1883,7 @@
           <a:p>
             <a:fld id="{1617007B-AE2D-44C1-A622-3C80783AE921}" type="datetimeFigureOut">
               <a:rPr lang="de-DE" smtClean="0"/>
-              <a:t>10.09.2014</a:t>
+              <a:t>19.09.2014</a:t>
             </a:fld>
             <a:endParaRPr lang="de-DE"/>
           </a:p>
@@ -1977,7 +1978,7 @@
           <a:p>
             <a:fld id="{1617007B-AE2D-44C1-A622-3C80783AE921}" type="datetimeFigureOut">
               <a:rPr lang="de-DE" smtClean="0"/>
-              <a:t>10.09.2014</a:t>
+              <a:t>19.09.2014</a:t>
             </a:fld>
             <a:endParaRPr lang="de-DE"/>
           </a:p>
@@ -2254,7 +2255,7 @@
           <a:p>
             <a:fld id="{1617007B-AE2D-44C1-A622-3C80783AE921}" type="datetimeFigureOut">
               <a:rPr lang="de-DE" smtClean="0"/>
-              <a:t>10.09.2014</a:t>
+              <a:t>19.09.2014</a:t>
             </a:fld>
             <a:endParaRPr lang="de-DE"/>
           </a:p>
@@ -2507,7 +2508,7 @@
           <a:p>
             <a:fld id="{1617007B-AE2D-44C1-A622-3C80783AE921}" type="datetimeFigureOut">
               <a:rPr lang="de-DE" smtClean="0"/>
-              <a:t>10.09.2014</a:t>
+              <a:t>19.09.2014</a:t>
             </a:fld>
             <a:endParaRPr lang="de-DE"/>
           </a:p>
@@ -2720,7 +2721,7 @@
           <a:p>
             <a:fld id="{1617007B-AE2D-44C1-A622-3C80783AE921}" type="datetimeFigureOut">
               <a:rPr lang="de-DE" smtClean="0"/>
-              <a:t>10.09.2014</a:t>
+              <a:t>19.09.2014</a:t>
             </a:fld>
             <a:endParaRPr lang="de-DE"/>
           </a:p>
@@ -3638,6 +3639,1219 @@
 </p:sld>
 </file>
 
+<file path=ppt/slides/slide2.xml><?xml version="1.0" encoding="utf-8"?>
+<p:sld xmlns:a="http://schemas.openxmlformats.org/drawingml/2006/main" xmlns:r="http://schemas.openxmlformats.org/officeDocument/2006/relationships" xmlns:p="http://schemas.openxmlformats.org/presentationml/2006/main">
+  <p:cSld>
+    <p:spTree>
+      <p:nvGrpSpPr>
+        <p:cNvPr id="1" name=""/>
+        <p:cNvGrpSpPr/>
+        <p:nvPr/>
+      </p:nvGrpSpPr>
+      <p:grpSpPr>
+        <a:xfrm>
+          <a:off x="0" y="0"/>
+          <a:ext cx="0" cy="0"/>
+          <a:chOff x="0" y="0"/>
+          <a:chExt cx="0" cy="0"/>
+        </a:xfrm>
+      </p:grpSpPr>
+      <p:sp>
+        <p:nvSpPr>
+          <p:cNvPr id="4" name="Rectangle 3"/>
+          <p:cNvSpPr/>
+          <p:nvPr/>
+        </p:nvSpPr>
+        <p:spPr>
+          <a:xfrm>
+            <a:off x="3339480" y="548680"/>
+            <a:ext cx="4472880" cy="3600400"/>
+          </a:xfrm>
+          <a:prstGeom prst="rect">
+            <a:avLst/>
+          </a:prstGeom>
+          <a:solidFill>
+            <a:schemeClr val="bg1"/>
+          </a:solidFill>
+          <a:ln w="12700">
+            <a:solidFill>
+              <a:schemeClr val="tx1"/>
+            </a:solidFill>
+            <a:prstDash val="lgDash"/>
+          </a:ln>
+        </p:spPr>
+        <p:style>
+          <a:lnRef idx="2">
+            <a:schemeClr val="accent1">
+              <a:shade val="50000"/>
+            </a:schemeClr>
+          </a:lnRef>
+          <a:fillRef idx="1">
+            <a:schemeClr val="accent1"/>
+          </a:fillRef>
+          <a:effectRef idx="0">
+            <a:schemeClr val="accent1"/>
+          </a:effectRef>
+          <a:fontRef idx="minor">
+            <a:schemeClr val="lt1"/>
+          </a:fontRef>
+        </p:style>
+        <p:txBody>
+          <a:bodyPr rtlCol="0" anchor="ctr"/>
+          <a:lstStyle/>
+          <a:p>
+            <a:pPr algn="ctr"/>
+            <a:endParaRPr lang="de-DE"/>
+          </a:p>
+        </p:txBody>
+      </p:sp>
+      <p:sp>
+        <p:nvSpPr>
+          <p:cNvPr id="5" name="TextBox 4"/>
+          <p:cNvSpPr txBox="1"/>
+          <p:nvPr/>
+        </p:nvSpPr>
+        <p:spPr>
+          <a:xfrm>
+            <a:off x="6600182" y="3779748"/>
+            <a:ext cx="1224136" cy="369332"/>
+          </a:xfrm>
+          <a:prstGeom prst="rect">
+            <a:avLst/>
+          </a:prstGeom>
+          <a:noFill/>
+        </p:spPr>
+        <p:txBody>
+          <a:bodyPr wrap="square" rtlCol="0">
+            <a:spAutoFit/>
+          </a:bodyPr>
+          <a:lstStyle/>
+          <a:p>
+            <a:r>
+              <a:rPr lang="en-US" dirty="0" smtClean="0"/>
+              <a:t>FutureSOC</a:t>
+            </a:r>
+            <a:endParaRPr lang="de-DE" dirty="0"/>
+          </a:p>
+        </p:txBody>
+      </p:sp>
+      <p:sp>
+        <p:nvSpPr>
+          <p:cNvPr id="8" name="TextBox 7"/>
+          <p:cNvSpPr txBox="1"/>
+          <p:nvPr/>
+        </p:nvSpPr>
+        <p:spPr>
+          <a:xfrm>
+            <a:off x="315144" y="2176411"/>
+            <a:ext cx="1512168" cy="369332"/>
+          </a:xfrm>
+          <a:prstGeom prst="rect">
+            <a:avLst/>
+          </a:prstGeom>
+          <a:noFill/>
+          <a:ln>
+            <a:solidFill>
+              <a:schemeClr val="tx1"/>
+            </a:solidFill>
+          </a:ln>
+        </p:spPr>
+        <p:txBody>
+          <a:bodyPr wrap="square" rtlCol="0">
+            <a:spAutoFit/>
+          </a:bodyPr>
+          <a:lstStyle/>
+          <a:p>
+            <a:pPr algn="ctr"/>
+            <a:r>
+              <a:rPr lang="en-US" dirty="0" smtClean="0"/>
+              <a:t>Simulator</a:t>
+            </a:r>
+            <a:endParaRPr lang="de-DE" dirty="0"/>
+          </a:p>
+        </p:txBody>
+      </p:sp>
+      <p:sp>
+        <p:nvSpPr>
+          <p:cNvPr id="9" name="TextBox 8"/>
+          <p:cNvSpPr txBox="1"/>
+          <p:nvPr/>
+        </p:nvSpPr>
+        <p:spPr>
+          <a:xfrm>
+            <a:off x="3419872" y="548680"/>
+            <a:ext cx="2232248" cy="369332"/>
+          </a:xfrm>
+          <a:prstGeom prst="rect">
+            <a:avLst/>
+          </a:prstGeom>
+          <a:noFill/>
+        </p:spPr>
+        <p:txBody>
+          <a:bodyPr wrap="square" rtlCol="0">
+            <a:spAutoFit/>
+          </a:bodyPr>
+          <a:lstStyle/>
+          <a:p>
+            <a:r>
+              <a:rPr lang="en-US" dirty="0" smtClean="0"/>
+              <a:t>Testbed environment</a:t>
+            </a:r>
+            <a:endParaRPr lang="de-DE" dirty="0"/>
+          </a:p>
+        </p:txBody>
+      </p:sp>
+      <p:sp>
+        <p:nvSpPr>
+          <p:cNvPr id="10" name="Rectangle 9"/>
+          <p:cNvSpPr/>
+          <p:nvPr/>
+        </p:nvSpPr>
+        <p:spPr>
+          <a:xfrm>
+            <a:off x="3347864" y="1124744"/>
+            <a:ext cx="144016" cy="288032"/>
+          </a:xfrm>
+          <a:prstGeom prst="rect">
+            <a:avLst/>
+          </a:prstGeom>
+        </p:spPr>
+        <p:style>
+          <a:lnRef idx="2">
+            <a:schemeClr val="accent1">
+              <a:shade val="50000"/>
+            </a:schemeClr>
+          </a:lnRef>
+          <a:fillRef idx="1">
+            <a:schemeClr val="accent1"/>
+          </a:fillRef>
+          <a:effectRef idx="0">
+            <a:schemeClr val="accent1"/>
+          </a:effectRef>
+          <a:fontRef idx="minor">
+            <a:schemeClr val="lt1"/>
+          </a:fontRef>
+        </p:style>
+        <p:txBody>
+          <a:bodyPr rtlCol="0" anchor="ctr"/>
+          <a:lstStyle/>
+          <a:p>
+            <a:pPr algn="ctr"/>
+            <a:endParaRPr lang="de-DE"/>
+          </a:p>
+        </p:txBody>
+      </p:sp>
+      <p:sp>
+        <p:nvSpPr>
+          <p:cNvPr id="12" name="Rectangle 11"/>
+          <p:cNvSpPr/>
+          <p:nvPr/>
+        </p:nvSpPr>
+        <p:spPr>
+          <a:xfrm>
+            <a:off x="3354849" y="1844824"/>
+            <a:ext cx="144016" cy="288032"/>
+          </a:xfrm>
+          <a:prstGeom prst="rect">
+            <a:avLst/>
+          </a:prstGeom>
+        </p:spPr>
+        <p:style>
+          <a:lnRef idx="2">
+            <a:schemeClr val="accent1">
+              <a:shade val="50000"/>
+            </a:schemeClr>
+          </a:lnRef>
+          <a:fillRef idx="1">
+            <a:schemeClr val="accent1"/>
+          </a:fillRef>
+          <a:effectRef idx="0">
+            <a:schemeClr val="accent1"/>
+          </a:effectRef>
+          <a:fontRef idx="minor">
+            <a:schemeClr val="lt1"/>
+          </a:fontRef>
+        </p:style>
+        <p:txBody>
+          <a:bodyPr rtlCol="0" anchor="ctr"/>
+          <a:lstStyle/>
+          <a:p>
+            <a:pPr algn="ctr"/>
+            <a:endParaRPr lang="de-DE"/>
+          </a:p>
+        </p:txBody>
+      </p:sp>
+      <p:sp>
+        <p:nvSpPr>
+          <p:cNvPr id="13" name="Rectangle 12"/>
+          <p:cNvSpPr/>
+          <p:nvPr/>
+        </p:nvSpPr>
+        <p:spPr>
+          <a:xfrm>
+            <a:off x="3339480" y="2564904"/>
+            <a:ext cx="144016" cy="288032"/>
+          </a:xfrm>
+          <a:prstGeom prst="rect">
+            <a:avLst/>
+          </a:prstGeom>
+        </p:spPr>
+        <p:style>
+          <a:lnRef idx="2">
+            <a:schemeClr val="accent1">
+              <a:shade val="50000"/>
+            </a:schemeClr>
+          </a:lnRef>
+          <a:fillRef idx="1">
+            <a:schemeClr val="accent1"/>
+          </a:fillRef>
+          <a:effectRef idx="0">
+            <a:schemeClr val="accent1"/>
+          </a:effectRef>
+          <a:fontRef idx="minor">
+            <a:schemeClr val="lt1"/>
+          </a:fontRef>
+        </p:style>
+        <p:txBody>
+          <a:bodyPr rtlCol="0" anchor="ctr"/>
+          <a:lstStyle/>
+          <a:p>
+            <a:pPr algn="ctr"/>
+            <a:endParaRPr lang="de-DE"/>
+          </a:p>
+        </p:txBody>
+      </p:sp>
+      <p:sp>
+        <p:nvSpPr>
+          <p:cNvPr id="14" name="Rectangle 13"/>
+          <p:cNvSpPr/>
+          <p:nvPr/>
+        </p:nvSpPr>
+        <p:spPr>
+          <a:xfrm>
+            <a:off x="3354849" y="3284984"/>
+            <a:ext cx="144016" cy="288032"/>
+          </a:xfrm>
+          <a:prstGeom prst="rect">
+            <a:avLst/>
+          </a:prstGeom>
+        </p:spPr>
+        <p:style>
+          <a:lnRef idx="2">
+            <a:schemeClr val="accent1">
+              <a:shade val="50000"/>
+            </a:schemeClr>
+          </a:lnRef>
+          <a:fillRef idx="1">
+            <a:schemeClr val="accent1"/>
+          </a:fillRef>
+          <a:effectRef idx="0">
+            <a:schemeClr val="accent1"/>
+          </a:effectRef>
+          <a:fontRef idx="minor">
+            <a:schemeClr val="lt1"/>
+          </a:fontRef>
+        </p:style>
+        <p:txBody>
+          <a:bodyPr rtlCol="0" anchor="ctr"/>
+          <a:lstStyle/>
+          <a:p>
+            <a:pPr algn="ctr"/>
+            <a:endParaRPr lang="de-DE"/>
+          </a:p>
+        </p:txBody>
+      </p:sp>
+      <p:sp>
+        <p:nvSpPr>
+          <p:cNvPr id="15" name="TextBox 14"/>
+          <p:cNvSpPr txBox="1"/>
+          <p:nvPr/>
+        </p:nvSpPr>
+        <p:spPr>
+          <a:xfrm>
+            <a:off x="3275856" y="3573599"/>
+            <a:ext cx="920735" cy="261610"/>
+          </a:xfrm>
+          <a:prstGeom prst="rect">
+            <a:avLst/>
+          </a:prstGeom>
+          <a:noFill/>
+        </p:spPr>
+        <p:txBody>
+          <a:bodyPr wrap="square" rtlCol="0">
+            <a:spAutoFit/>
+          </a:bodyPr>
+          <a:lstStyle/>
+          <a:p>
+            <a:r>
+              <a:rPr lang="en-US" sz="1100" dirty="0" smtClean="0"/>
+              <a:t>VNC port</a:t>
+            </a:r>
+            <a:endParaRPr lang="de-DE" sz="1100" dirty="0"/>
+          </a:p>
+        </p:txBody>
+      </p:sp>
+      <p:cxnSp>
+        <p:nvCxnSpPr>
+          <p:cNvPr id="17" name="Straight Arrow Connector 16"/>
+          <p:cNvCxnSpPr>
+            <a:stCxn id="8" idx="3"/>
+            <a:endCxn id="10" idx="1"/>
+          </p:cNvCxnSpPr>
+          <p:nvPr/>
+        </p:nvCxnSpPr>
+        <p:spPr>
+          <a:xfrm flipV="1">
+            <a:off x="1827312" y="1268760"/>
+            <a:ext cx="1520552" cy="1092317"/>
+          </a:xfrm>
+          <a:prstGeom prst="straightConnector1">
+            <a:avLst/>
+          </a:prstGeom>
+          <a:ln>
+            <a:tailEnd type="arrow"/>
+          </a:ln>
+        </p:spPr>
+        <p:style>
+          <a:lnRef idx="1">
+            <a:schemeClr val="dk1"/>
+          </a:lnRef>
+          <a:fillRef idx="0">
+            <a:schemeClr val="dk1"/>
+          </a:fillRef>
+          <a:effectRef idx="0">
+            <a:schemeClr val="dk1"/>
+          </a:effectRef>
+          <a:fontRef idx="minor">
+            <a:schemeClr val="tx1"/>
+          </a:fontRef>
+        </p:style>
+      </p:cxnSp>
+      <p:cxnSp>
+        <p:nvCxnSpPr>
+          <p:cNvPr id="18" name="Straight Arrow Connector 17"/>
+          <p:cNvCxnSpPr>
+            <a:stCxn id="8" idx="3"/>
+            <a:endCxn id="12" idx="1"/>
+          </p:cNvCxnSpPr>
+          <p:nvPr/>
+        </p:nvCxnSpPr>
+        <p:spPr>
+          <a:xfrm flipV="1">
+            <a:off x="1827312" y="1988840"/>
+            <a:ext cx="1527537" cy="372237"/>
+          </a:xfrm>
+          <a:prstGeom prst="straightConnector1">
+            <a:avLst/>
+          </a:prstGeom>
+          <a:ln>
+            <a:tailEnd type="arrow"/>
+          </a:ln>
+        </p:spPr>
+        <p:style>
+          <a:lnRef idx="1">
+            <a:schemeClr val="dk1"/>
+          </a:lnRef>
+          <a:fillRef idx="0">
+            <a:schemeClr val="dk1"/>
+          </a:fillRef>
+          <a:effectRef idx="0">
+            <a:schemeClr val="dk1"/>
+          </a:effectRef>
+          <a:fontRef idx="minor">
+            <a:schemeClr val="tx1"/>
+          </a:fontRef>
+        </p:style>
+      </p:cxnSp>
+      <p:cxnSp>
+        <p:nvCxnSpPr>
+          <p:cNvPr id="21" name="Straight Arrow Connector 20"/>
+          <p:cNvCxnSpPr>
+            <a:stCxn id="8" idx="3"/>
+            <a:endCxn id="13" idx="1"/>
+          </p:cNvCxnSpPr>
+          <p:nvPr/>
+        </p:nvCxnSpPr>
+        <p:spPr>
+          <a:xfrm>
+            <a:off x="1827312" y="2361077"/>
+            <a:ext cx="1512168" cy="347843"/>
+          </a:xfrm>
+          <a:prstGeom prst="straightConnector1">
+            <a:avLst/>
+          </a:prstGeom>
+          <a:ln>
+            <a:tailEnd type="arrow"/>
+          </a:ln>
+        </p:spPr>
+        <p:style>
+          <a:lnRef idx="1">
+            <a:schemeClr val="dk1"/>
+          </a:lnRef>
+          <a:fillRef idx="0">
+            <a:schemeClr val="dk1"/>
+          </a:fillRef>
+          <a:effectRef idx="0">
+            <a:schemeClr val="dk1"/>
+          </a:effectRef>
+          <a:fontRef idx="minor">
+            <a:schemeClr val="tx1"/>
+          </a:fontRef>
+        </p:style>
+      </p:cxnSp>
+      <p:cxnSp>
+        <p:nvCxnSpPr>
+          <p:cNvPr id="24" name="Straight Arrow Connector 23"/>
+          <p:cNvCxnSpPr>
+            <a:stCxn id="8" idx="3"/>
+            <a:endCxn id="14" idx="1"/>
+          </p:cNvCxnSpPr>
+          <p:nvPr/>
+        </p:nvCxnSpPr>
+        <p:spPr>
+          <a:xfrm>
+            <a:off x="1827312" y="2361077"/>
+            <a:ext cx="1527537" cy="1067923"/>
+          </a:xfrm>
+          <a:prstGeom prst="straightConnector1">
+            <a:avLst/>
+          </a:prstGeom>
+          <a:ln>
+            <a:tailEnd type="arrow"/>
+          </a:ln>
+        </p:spPr>
+        <p:style>
+          <a:lnRef idx="1">
+            <a:schemeClr val="dk1"/>
+          </a:lnRef>
+          <a:fillRef idx="0">
+            <a:schemeClr val="dk1"/>
+          </a:fillRef>
+          <a:effectRef idx="0">
+            <a:schemeClr val="dk1"/>
+          </a:effectRef>
+          <a:fontRef idx="minor">
+            <a:schemeClr val="tx1"/>
+          </a:fontRef>
+        </p:style>
+      </p:cxnSp>
+      <p:sp>
+        <p:nvSpPr>
+          <p:cNvPr id="28" name="TextBox 27"/>
+          <p:cNvSpPr txBox="1"/>
+          <p:nvPr/>
+        </p:nvSpPr>
+        <p:spPr>
+          <a:xfrm>
+            <a:off x="3771528" y="1135777"/>
+            <a:ext cx="1215752" cy="276999"/>
+          </a:xfrm>
+          <a:prstGeom prst="rect">
+            <a:avLst/>
+          </a:prstGeom>
+          <a:noFill/>
+          <a:ln>
+            <a:solidFill>
+              <a:schemeClr val="tx1"/>
+            </a:solidFill>
+          </a:ln>
+        </p:spPr>
+        <p:txBody>
+          <a:bodyPr wrap="square" rtlCol="0">
+            <a:spAutoFit/>
+          </a:bodyPr>
+          <a:lstStyle/>
+          <a:p>
+            <a:r>
+              <a:rPr lang="en-US" sz="1200" dirty="0" smtClean="0"/>
+              <a:t>Client computer</a:t>
+            </a:r>
+            <a:endParaRPr lang="de-DE" sz="1200" dirty="0"/>
+          </a:p>
+        </p:txBody>
+      </p:sp>
+      <p:sp>
+        <p:nvSpPr>
+          <p:cNvPr id="29" name="TextBox 28"/>
+          <p:cNvSpPr txBox="1"/>
+          <p:nvPr/>
+        </p:nvSpPr>
+        <p:spPr>
+          <a:xfrm>
+            <a:off x="3771528" y="1855857"/>
+            <a:ext cx="1215752" cy="276999"/>
+          </a:xfrm>
+          <a:prstGeom prst="rect">
+            <a:avLst/>
+          </a:prstGeom>
+          <a:noFill/>
+          <a:ln>
+            <a:solidFill>
+              <a:schemeClr val="tx1"/>
+            </a:solidFill>
+          </a:ln>
+        </p:spPr>
+        <p:txBody>
+          <a:bodyPr wrap="square" rtlCol="0">
+            <a:spAutoFit/>
+          </a:bodyPr>
+          <a:lstStyle/>
+          <a:p>
+            <a:r>
+              <a:rPr lang="en-US" sz="1200" dirty="0" smtClean="0"/>
+              <a:t>Client computer</a:t>
+            </a:r>
+            <a:endParaRPr lang="de-DE" sz="1200" dirty="0"/>
+          </a:p>
+        </p:txBody>
+      </p:sp>
+      <p:sp>
+        <p:nvSpPr>
+          <p:cNvPr id="30" name="TextBox 29"/>
+          <p:cNvSpPr txBox="1"/>
+          <p:nvPr/>
+        </p:nvSpPr>
+        <p:spPr>
+          <a:xfrm>
+            <a:off x="3771528" y="2564904"/>
+            <a:ext cx="1215752" cy="276999"/>
+          </a:xfrm>
+          <a:prstGeom prst="rect">
+            <a:avLst/>
+          </a:prstGeom>
+          <a:noFill/>
+          <a:ln>
+            <a:solidFill>
+              <a:schemeClr val="tx1"/>
+            </a:solidFill>
+          </a:ln>
+        </p:spPr>
+        <p:txBody>
+          <a:bodyPr wrap="square" rtlCol="0">
+            <a:spAutoFit/>
+          </a:bodyPr>
+          <a:lstStyle/>
+          <a:p>
+            <a:r>
+              <a:rPr lang="en-US" sz="1200" dirty="0" smtClean="0"/>
+              <a:t>Client computer</a:t>
+            </a:r>
+            <a:endParaRPr lang="de-DE" sz="1200" dirty="0"/>
+          </a:p>
+        </p:txBody>
+      </p:sp>
+      <p:sp>
+        <p:nvSpPr>
+          <p:cNvPr id="31" name="TextBox 30"/>
+          <p:cNvSpPr txBox="1"/>
+          <p:nvPr/>
+        </p:nvSpPr>
+        <p:spPr>
+          <a:xfrm>
+            <a:off x="3771528" y="3290500"/>
+            <a:ext cx="1215752" cy="276999"/>
+          </a:xfrm>
+          <a:prstGeom prst="rect">
+            <a:avLst/>
+          </a:prstGeom>
+          <a:noFill/>
+          <a:ln>
+            <a:solidFill>
+              <a:schemeClr val="tx1"/>
+            </a:solidFill>
+          </a:ln>
+        </p:spPr>
+        <p:txBody>
+          <a:bodyPr wrap="square" rtlCol="0">
+            <a:spAutoFit/>
+          </a:bodyPr>
+          <a:lstStyle/>
+          <a:p>
+            <a:r>
+              <a:rPr lang="en-US" sz="1200" dirty="0" smtClean="0"/>
+              <a:t>Client computer</a:t>
+            </a:r>
+            <a:endParaRPr lang="de-DE" sz="1200" dirty="0"/>
+          </a:p>
+        </p:txBody>
+      </p:sp>
+      <p:cxnSp>
+        <p:nvCxnSpPr>
+          <p:cNvPr id="33" name="Straight Arrow Connector 32"/>
+          <p:cNvCxnSpPr/>
+          <p:nvPr/>
+        </p:nvCxnSpPr>
+        <p:spPr>
+          <a:xfrm>
+            <a:off x="3498865" y="1268760"/>
+            <a:ext cx="272663" cy="0"/>
+          </a:xfrm>
+          <a:prstGeom prst="straightConnector1">
+            <a:avLst/>
+          </a:prstGeom>
+          <a:ln>
+            <a:tailEnd type="arrow"/>
+          </a:ln>
+        </p:spPr>
+        <p:style>
+          <a:lnRef idx="1">
+            <a:schemeClr val="dk1"/>
+          </a:lnRef>
+          <a:fillRef idx="0">
+            <a:schemeClr val="dk1"/>
+          </a:fillRef>
+          <a:effectRef idx="0">
+            <a:schemeClr val="dk1"/>
+          </a:effectRef>
+          <a:fontRef idx="minor">
+            <a:schemeClr val="tx1"/>
+          </a:fontRef>
+        </p:style>
+      </p:cxnSp>
+      <p:cxnSp>
+        <p:nvCxnSpPr>
+          <p:cNvPr id="34" name="Straight Arrow Connector 33"/>
+          <p:cNvCxnSpPr/>
+          <p:nvPr/>
+        </p:nvCxnSpPr>
+        <p:spPr>
+          <a:xfrm>
+            <a:off x="3491880" y="1994795"/>
+            <a:ext cx="272663" cy="0"/>
+          </a:xfrm>
+          <a:prstGeom prst="straightConnector1">
+            <a:avLst/>
+          </a:prstGeom>
+          <a:ln>
+            <a:tailEnd type="arrow"/>
+          </a:ln>
+        </p:spPr>
+        <p:style>
+          <a:lnRef idx="1">
+            <a:schemeClr val="dk1"/>
+          </a:lnRef>
+          <a:fillRef idx="0">
+            <a:schemeClr val="dk1"/>
+          </a:fillRef>
+          <a:effectRef idx="0">
+            <a:schemeClr val="dk1"/>
+          </a:effectRef>
+          <a:fontRef idx="minor">
+            <a:schemeClr val="tx1"/>
+          </a:fontRef>
+        </p:style>
+      </p:cxnSp>
+      <p:cxnSp>
+        <p:nvCxnSpPr>
+          <p:cNvPr id="35" name="Straight Arrow Connector 34"/>
+          <p:cNvCxnSpPr/>
+          <p:nvPr/>
+        </p:nvCxnSpPr>
+        <p:spPr>
+          <a:xfrm>
+            <a:off x="3483496" y="2709359"/>
+            <a:ext cx="272663" cy="0"/>
+          </a:xfrm>
+          <a:prstGeom prst="straightConnector1">
+            <a:avLst/>
+          </a:prstGeom>
+          <a:ln>
+            <a:tailEnd type="arrow"/>
+          </a:ln>
+        </p:spPr>
+        <p:style>
+          <a:lnRef idx="1">
+            <a:schemeClr val="dk1"/>
+          </a:lnRef>
+          <a:fillRef idx="0">
+            <a:schemeClr val="dk1"/>
+          </a:fillRef>
+          <a:effectRef idx="0">
+            <a:schemeClr val="dk1"/>
+          </a:effectRef>
+          <a:fontRef idx="minor">
+            <a:schemeClr val="tx1"/>
+          </a:fontRef>
+        </p:style>
+      </p:cxnSp>
+      <p:cxnSp>
+        <p:nvCxnSpPr>
+          <p:cNvPr id="36" name="Straight Arrow Connector 35"/>
+          <p:cNvCxnSpPr/>
+          <p:nvPr/>
+        </p:nvCxnSpPr>
+        <p:spPr>
+          <a:xfrm>
+            <a:off x="3514933" y="3414324"/>
+            <a:ext cx="272663" cy="0"/>
+          </a:xfrm>
+          <a:prstGeom prst="straightConnector1">
+            <a:avLst/>
+          </a:prstGeom>
+          <a:ln>
+            <a:tailEnd type="arrow"/>
+          </a:ln>
+        </p:spPr>
+        <p:style>
+          <a:lnRef idx="1">
+            <a:schemeClr val="dk1"/>
+          </a:lnRef>
+          <a:fillRef idx="0">
+            <a:schemeClr val="dk1"/>
+          </a:fillRef>
+          <a:effectRef idx="0">
+            <a:schemeClr val="dk1"/>
+          </a:effectRef>
+          <a:fontRef idx="minor">
+            <a:schemeClr val="tx1"/>
+          </a:fontRef>
+        </p:style>
+      </p:cxnSp>
+      <p:sp>
+        <p:nvSpPr>
+          <p:cNvPr id="38" name="TextBox 37"/>
+          <p:cNvSpPr txBox="1"/>
+          <p:nvPr/>
+        </p:nvSpPr>
+        <p:spPr>
+          <a:xfrm>
+            <a:off x="6228184" y="1531821"/>
+            <a:ext cx="1368152" cy="276999"/>
+          </a:xfrm>
+          <a:prstGeom prst="rect">
+            <a:avLst/>
+          </a:prstGeom>
+          <a:noFill/>
+          <a:ln>
+            <a:solidFill>
+              <a:schemeClr val="tx1"/>
+            </a:solidFill>
+          </a:ln>
+        </p:spPr>
+        <p:txBody>
+          <a:bodyPr wrap="square" rtlCol="0">
+            <a:spAutoFit/>
+          </a:bodyPr>
+          <a:lstStyle/>
+          <a:p>
+            <a:r>
+              <a:rPr lang="en-US" sz="1200" dirty="0" smtClean="0"/>
+              <a:t>Wiki server</a:t>
+            </a:r>
+            <a:endParaRPr lang="de-DE" sz="1200" dirty="0"/>
+          </a:p>
+        </p:txBody>
+      </p:sp>
+      <p:sp>
+        <p:nvSpPr>
+          <p:cNvPr id="42" name="TextBox 41"/>
+          <p:cNvSpPr txBox="1"/>
+          <p:nvPr/>
+        </p:nvSpPr>
+        <p:spPr>
+          <a:xfrm>
+            <a:off x="6228184" y="2210380"/>
+            <a:ext cx="1368152" cy="276999"/>
+          </a:xfrm>
+          <a:prstGeom prst="rect">
+            <a:avLst/>
+          </a:prstGeom>
+          <a:noFill/>
+          <a:ln>
+            <a:solidFill>
+              <a:schemeClr val="tx1"/>
+            </a:solidFill>
+          </a:ln>
+        </p:spPr>
+        <p:txBody>
+          <a:bodyPr wrap="square" rtlCol="0">
+            <a:spAutoFit/>
+          </a:bodyPr>
+          <a:lstStyle/>
+          <a:p>
+            <a:r>
+              <a:rPr lang="en-US" sz="1200" dirty="0" smtClean="0"/>
+              <a:t>Database</a:t>
+            </a:r>
+            <a:endParaRPr lang="de-DE" sz="1200" dirty="0"/>
+          </a:p>
+        </p:txBody>
+      </p:sp>
+      <p:sp>
+        <p:nvSpPr>
+          <p:cNvPr id="43" name="TextBox 42"/>
+          <p:cNvSpPr txBox="1"/>
+          <p:nvPr/>
+        </p:nvSpPr>
+        <p:spPr>
+          <a:xfrm>
+            <a:off x="6228184" y="3007985"/>
+            <a:ext cx="1368152" cy="276999"/>
+          </a:xfrm>
+          <a:prstGeom prst="rect">
+            <a:avLst/>
+          </a:prstGeom>
+          <a:noFill/>
+          <a:ln>
+            <a:solidFill>
+              <a:schemeClr val="tx1"/>
+            </a:solidFill>
+          </a:ln>
+        </p:spPr>
+        <p:txBody>
+          <a:bodyPr wrap="square" rtlCol="0">
+            <a:spAutoFit/>
+          </a:bodyPr>
+          <a:lstStyle/>
+          <a:p>
+            <a:r>
+              <a:rPr lang="en-US" sz="1200" dirty="0" smtClean="0"/>
+              <a:t>Domain controller</a:t>
+            </a:r>
+            <a:endParaRPr lang="de-DE" sz="1200" dirty="0"/>
+          </a:p>
+        </p:txBody>
+      </p:sp>
+      <p:cxnSp>
+        <p:nvCxnSpPr>
+          <p:cNvPr id="53" name="Straight Arrow Connector 52"/>
+          <p:cNvCxnSpPr>
+            <a:stCxn id="28" idx="3"/>
+            <a:endCxn id="38" idx="1"/>
+          </p:cNvCxnSpPr>
+          <p:nvPr/>
+        </p:nvCxnSpPr>
+        <p:spPr>
+          <a:xfrm>
+            <a:off x="4987280" y="1274277"/>
+            <a:ext cx="1240904" cy="396044"/>
+          </a:xfrm>
+          <a:prstGeom prst="straightConnector1">
+            <a:avLst/>
+          </a:prstGeom>
+          <a:ln>
+            <a:tailEnd type="arrow"/>
+          </a:ln>
+        </p:spPr>
+        <p:style>
+          <a:lnRef idx="1">
+            <a:schemeClr val="dk1"/>
+          </a:lnRef>
+          <a:fillRef idx="0">
+            <a:schemeClr val="dk1"/>
+          </a:fillRef>
+          <a:effectRef idx="0">
+            <a:schemeClr val="dk1"/>
+          </a:effectRef>
+          <a:fontRef idx="minor">
+            <a:schemeClr val="tx1"/>
+          </a:fontRef>
+        </p:style>
+      </p:cxnSp>
+      <p:cxnSp>
+        <p:nvCxnSpPr>
+          <p:cNvPr id="56" name="Straight Arrow Connector 55"/>
+          <p:cNvCxnSpPr>
+            <a:stCxn id="29" idx="3"/>
+            <a:endCxn id="42" idx="1"/>
+          </p:cNvCxnSpPr>
+          <p:nvPr/>
+        </p:nvCxnSpPr>
+        <p:spPr>
+          <a:xfrm>
+            <a:off x="4987280" y="1994357"/>
+            <a:ext cx="1240904" cy="354523"/>
+          </a:xfrm>
+          <a:prstGeom prst="straightConnector1">
+            <a:avLst/>
+          </a:prstGeom>
+          <a:ln>
+            <a:tailEnd type="arrow"/>
+          </a:ln>
+        </p:spPr>
+        <p:style>
+          <a:lnRef idx="1">
+            <a:schemeClr val="dk1"/>
+          </a:lnRef>
+          <a:fillRef idx="0">
+            <a:schemeClr val="dk1"/>
+          </a:fillRef>
+          <a:effectRef idx="0">
+            <a:schemeClr val="dk1"/>
+          </a:effectRef>
+          <a:fontRef idx="minor">
+            <a:schemeClr val="tx1"/>
+          </a:fontRef>
+        </p:style>
+      </p:cxnSp>
+      <p:cxnSp>
+        <p:nvCxnSpPr>
+          <p:cNvPr id="57" name="Straight Arrow Connector 56"/>
+          <p:cNvCxnSpPr>
+            <a:stCxn id="29" idx="3"/>
+            <a:endCxn id="38" idx="1"/>
+          </p:cNvCxnSpPr>
+          <p:nvPr/>
+        </p:nvCxnSpPr>
+        <p:spPr>
+          <a:xfrm flipV="1">
+            <a:off x="4987280" y="1670321"/>
+            <a:ext cx="1240904" cy="324036"/>
+          </a:xfrm>
+          <a:prstGeom prst="straightConnector1">
+            <a:avLst/>
+          </a:prstGeom>
+          <a:ln>
+            <a:tailEnd type="arrow"/>
+          </a:ln>
+        </p:spPr>
+        <p:style>
+          <a:lnRef idx="1">
+            <a:schemeClr val="dk1"/>
+          </a:lnRef>
+          <a:fillRef idx="0">
+            <a:schemeClr val="dk1"/>
+          </a:fillRef>
+          <a:effectRef idx="0">
+            <a:schemeClr val="dk1"/>
+          </a:effectRef>
+          <a:fontRef idx="minor">
+            <a:schemeClr val="tx1"/>
+          </a:fontRef>
+        </p:style>
+      </p:cxnSp>
+      <p:cxnSp>
+        <p:nvCxnSpPr>
+          <p:cNvPr id="61" name="Straight Arrow Connector 60"/>
+          <p:cNvCxnSpPr>
+            <a:stCxn id="30" idx="3"/>
+          </p:cNvCxnSpPr>
+          <p:nvPr/>
+        </p:nvCxnSpPr>
+        <p:spPr>
+          <a:xfrm flipV="1">
+            <a:off x="4987280" y="1670322"/>
+            <a:ext cx="1240904" cy="1033082"/>
+          </a:xfrm>
+          <a:prstGeom prst="straightConnector1">
+            <a:avLst/>
+          </a:prstGeom>
+          <a:ln>
+            <a:tailEnd type="arrow"/>
+          </a:ln>
+        </p:spPr>
+        <p:style>
+          <a:lnRef idx="1">
+            <a:schemeClr val="dk1"/>
+          </a:lnRef>
+          <a:fillRef idx="0">
+            <a:schemeClr val="dk1"/>
+          </a:fillRef>
+          <a:effectRef idx="0">
+            <a:schemeClr val="dk1"/>
+          </a:effectRef>
+          <a:fontRef idx="minor">
+            <a:schemeClr val="tx1"/>
+          </a:fontRef>
+        </p:style>
+      </p:cxnSp>
+      <p:cxnSp>
+        <p:nvCxnSpPr>
+          <p:cNvPr id="62" name="Straight Arrow Connector 61"/>
+          <p:cNvCxnSpPr>
+            <a:stCxn id="31" idx="3"/>
+          </p:cNvCxnSpPr>
+          <p:nvPr/>
+        </p:nvCxnSpPr>
+        <p:spPr>
+          <a:xfrm flipV="1">
+            <a:off x="4987280" y="3146485"/>
+            <a:ext cx="1240904" cy="282515"/>
+          </a:xfrm>
+          <a:prstGeom prst="straightConnector1">
+            <a:avLst/>
+          </a:prstGeom>
+          <a:ln>
+            <a:tailEnd type="arrow"/>
+          </a:ln>
+        </p:spPr>
+        <p:style>
+          <a:lnRef idx="1">
+            <a:schemeClr val="dk1"/>
+          </a:lnRef>
+          <a:fillRef idx="0">
+            <a:schemeClr val="dk1"/>
+          </a:fillRef>
+          <a:effectRef idx="0">
+            <a:schemeClr val="dk1"/>
+          </a:effectRef>
+          <a:fontRef idx="minor">
+            <a:schemeClr val="tx1"/>
+          </a:fontRef>
+        </p:style>
+      </p:cxnSp>
+      <p:sp>
+        <p:nvSpPr>
+          <p:cNvPr id="75" name="Rectangle 74"/>
+          <p:cNvSpPr/>
+          <p:nvPr/>
+        </p:nvSpPr>
+        <p:spPr>
+          <a:xfrm>
+            <a:off x="5436096" y="1052736"/>
+            <a:ext cx="432047" cy="2579077"/>
+          </a:xfrm>
+          <a:prstGeom prst="rect">
+            <a:avLst/>
+          </a:prstGeom>
+          <a:noFill/>
+          <a:ln w="12700">
+            <a:solidFill>
+              <a:schemeClr val="tx1"/>
+            </a:solidFill>
+            <a:prstDash val="lgDash"/>
+          </a:ln>
+        </p:spPr>
+        <p:style>
+          <a:lnRef idx="2">
+            <a:schemeClr val="dk1"/>
+          </a:lnRef>
+          <a:fillRef idx="1">
+            <a:schemeClr val="lt1"/>
+          </a:fillRef>
+          <a:effectRef idx="0">
+            <a:schemeClr val="dk1"/>
+          </a:effectRef>
+          <a:fontRef idx="minor">
+            <a:schemeClr val="dk1"/>
+          </a:fontRef>
+        </p:style>
+        <p:txBody>
+          <a:bodyPr rtlCol="0" anchor="ctr"/>
+          <a:lstStyle/>
+          <a:p>
+            <a:pPr algn="ctr"/>
+            <a:endParaRPr lang="de-DE" dirty="0"/>
+          </a:p>
+        </p:txBody>
+      </p:sp>
+      <p:sp>
+        <p:nvSpPr>
+          <p:cNvPr id="76" name="TextBox 75"/>
+          <p:cNvSpPr txBox="1"/>
+          <p:nvPr/>
+        </p:nvSpPr>
+        <p:spPr>
+          <a:xfrm>
+            <a:off x="5436096" y="1002930"/>
+            <a:ext cx="576064" cy="276999"/>
+          </a:xfrm>
+          <a:prstGeom prst="rect">
+            <a:avLst/>
+          </a:prstGeom>
+          <a:noFill/>
+        </p:spPr>
+        <p:txBody>
+          <a:bodyPr wrap="square" rtlCol="0">
+            <a:spAutoFit/>
+          </a:bodyPr>
+          <a:lstStyle/>
+          <a:p>
+            <a:r>
+              <a:rPr lang="en-US" sz="1200" dirty="0" smtClean="0"/>
+              <a:t>RDP</a:t>
+            </a:r>
+          </a:p>
+        </p:txBody>
+      </p:sp>
+      <p:sp>
+        <p:nvSpPr>
+          <p:cNvPr id="77" name="Rectangle 76"/>
+          <p:cNvSpPr/>
+          <p:nvPr/>
+        </p:nvSpPr>
+        <p:spPr>
+          <a:xfrm>
+            <a:off x="2151349" y="1141429"/>
+            <a:ext cx="432047" cy="2579077"/>
+          </a:xfrm>
+          <a:prstGeom prst="rect">
+            <a:avLst/>
+          </a:prstGeom>
+          <a:noFill/>
+          <a:ln w="12700">
+            <a:solidFill>
+              <a:schemeClr val="tx1"/>
+            </a:solidFill>
+            <a:prstDash val="lgDash"/>
+          </a:ln>
+        </p:spPr>
+        <p:style>
+          <a:lnRef idx="2">
+            <a:schemeClr val="dk1"/>
+          </a:lnRef>
+          <a:fillRef idx="1">
+            <a:schemeClr val="lt1"/>
+          </a:fillRef>
+          <a:effectRef idx="0">
+            <a:schemeClr val="dk1"/>
+          </a:effectRef>
+          <a:fontRef idx="minor">
+            <a:schemeClr val="dk1"/>
+          </a:fontRef>
+        </p:style>
+        <p:txBody>
+          <a:bodyPr rtlCol="0" anchor="ctr"/>
+          <a:lstStyle/>
+          <a:p>
+            <a:pPr algn="ctr"/>
+            <a:endParaRPr lang="de-DE" dirty="0"/>
+          </a:p>
+        </p:txBody>
+      </p:sp>
+      <p:sp>
+        <p:nvSpPr>
+          <p:cNvPr id="78" name="TextBox 77"/>
+          <p:cNvSpPr txBox="1"/>
+          <p:nvPr/>
+        </p:nvSpPr>
+        <p:spPr>
+          <a:xfrm>
+            <a:off x="2151349" y="1091623"/>
+            <a:ext cx="485481" cy="276999"/>
+          </a:xfrm>
+          <a:prstGeom prst="rect">
+            <a:avLst/>
+          </a:prstGeom>
+          <a:noFill/>
+        </p:spPr>
+        <p:txBody>
+          <a:bodyPr wrap="square" rtlCol="0">
+            <a:spAutoFit/>
+          </a:bodyPr>
+          <a:lstStyle/>
+          <a:p>
+            <a:r>
+              <a:rPr lang="en-US" sz="1200" dirty="0" smtClean="0"/>
+              <a:t>VNC</a:t>
+            </a:r>
+            <a:endParaRPr lang="de-DE" sz="1200" dirty="0"/>
+          </a:p>
+        </p:txBody>
+      </p:sp>
+    </p:spTree>
+    <p:extLst>
+      <p:ext uri="{BB962C8B-B14F-4D97-AF65-F5344CB8AC3E}">
+        <p14:creationId xmlns:p14="http://schemas.microsoft.com/office/powerpoint/2010/main" val="3246273235"/>
+      </p:ext>
+    </p:extLst>
+  </p:cSld>
+  <p:clrMapOvr>
+    <a:masterClrMapping/>
+  </p:clrMapOvr>
+</p:sld>
+</file>
+
 <file path=ppt/theme/theme1.xml><?xml version="1.0" encoding="utf-8"?>
 <a:theme xmlns:a="http://schemas.openxmlformats.org/drawingml/2006/main" name="Office Theme">
   <a:themeElements>

--- a/Research School/Retreat/Fall 2014/retreat draft 4/Scenario relations.pptx
+++ b/Research School/Retreat/Fall 2014/retreat draft 4/Scenario relations.pptx
@@ -289,7 +289,7 @@
           <a:p>
             <a:fld id="{1617007B-AE2D-44C1-A622-3C80783AE921}" type="datetimeFigureOut">
               <a:rPr lang="de-DE" smtClean="0"/>
-              <a:t>19.09.2014</a:t>
+              <a:t>22.09.2014</a:t>
             </a:fld>
             <a:endParaRPr lang="de-DE"/>
           </a:p>
@@ -459,7 +459,7 @@
           <a:p>
             <a:fld id="{1617007B-AE2D-44C1-A622-3C80783AE921}" type="datetimeFigureOut">
               <a:rPr lang="de-DE" smtClean="0"/>
-              <a:t>19.09.2014</a:t>
+              <a:t>22.09.2014</a:t>
             </a:fld>
             <a:endParaRPr lang="de-DE"/>
           </a:p>
@@ -639,7 +639,7 @@
           <a:p>
             <a:fld id="{1617007B-AE2D-44C1-A622-3C80783AE921}" type="datetimeFigureOut">
               <a:rPr lang="de-DE" smtClean="0"/>
-              <a:t>19.09.2014</a:t>
+              <a:t>22.09.2014</a:t>
             </a:fld>
             <a:endParaRPr lang="de-DE"/>
           </a:p>
@@ -809,7 +809,7 @@
           <a:p>
             <a:fld id="{1617007B-AE2D-44C1-A622-3C80783AE921}" type="datetimeFigureOut">
               <a:rPr lang="de-DE" smtClean="0"/>
-              <a:t>19.09.2014</a:t>
+              <a:t>22.09.2014</a:t>
             </a:fld>
             <a:endParaRPr lang="de-DE"/>
           </a:p>
@@ -1055,7 +1055,7 @@
           <a:p>
             <a:fld id="{1617007B-AE2D-44C1-A622-3C80783AE921}" type="datetimeFigureOut">
               <a:rPr lang="de-DE" smtClean="0"/>
-              <a:t>19.09.2014</a:t>
+              <a:t>22.09.2014</a:t>
             </a:fld>
             <a:endParaRPr lang="de-DE"/>
           </a:p>
@@ -1343,7 +1343,7 @@
           <a:p>
             <a:fld id="{1617007B-AE2D-44C1-A622-3C80783AE921}" type="datetimeFigureOut">
               <a:rPr lang="de-DE" smtClean="0"/>
-              <a:t>19.09.2014</a:t>
+              <a:t>22.09.2014</a:t>
             </a:fld>
             <a:endParaRPr lang="de-DE"/>
           </a:p>
@@ -1765,7 +1765,7 @@
           <a:p>
             <a:fld id="{1617007B-AE2D-44C1-A622-3C80783AE921}" type="datetimeFigureOut">
               <a:rPr lang="de-DE" smtClean="0"/>
-              <a:t>19.09.2014</a:t>
+              <a:t>22.09.2014</a:t>
             </a:fld>
             <a:endParaRPr lang="de-DE"/>
           </a:p>
@@ -1883,7 +1883,7 @@
           <a:p>
             <a:fld id="{1617007B-AE2D-44C1-A622-3C80783AE921}" type="datetimeFigureOut">
               <a:rPr lang="de-DE" smtClean="0"/>
-              <a:t>19.09.2014</a:t>
+              <a:t>22.09.2014</a:t>
             </a:fld>
             <a:endParaRPr lang="de-DE"/>
           </a:p>
@@ -1978,7 +1978,7 @@
           <a:p>
             <a:fld id="{1617007B-AE2D-44C1-A622-3C80783AE921}" type="datetimeFigureOut">
               <a:rPr lang="de-DE" smtClean="0"/>
-              <a:t>19.09.2014</a:t>
+              <a:t>22.09.2014</a:t>
             </a:fld>
             <a:endParaRPr lang="de-DE"/>
           </a:p>
@@ -2255,7 +2255,7 @@
           <a:p>
             <a:fld id="{1617007B-AE2D-44C1-A622-3C80783AE921}" type="datetimeFigureOut">
               <a:rPr lang="de-DE" smtClean="0"/>
-              <a:t>19.09.2014</a:t>
+              <a:t>22.09.2014</a:t>
             </a:fld>
             <a:endParaRPr lang="de-DE"/>
           </a:p>
@@ -2508,7 +2508,7 @@
           <a:p>
             <a:fld id="{1617007B-AE2D-44C1-A622-3C80783AE921}" type="datetimeFigureOut">
               <a:rPr lang="de-DE" smtClean="0"/>
-              <a:t>19.09.2014</a:t>
+              <a:t>22.09.2014</a:t>
             </a:fld>
             <a:endParaRPr lang="de-DE"/>
           </a:p>
@@ -2721,7 +2721,7 @@
           <a:p>
             <a:fld id="{1617007B-AE2D-44C1-A622-3C80783AE921}" type="datetimeFigureOut">
               <a:rPr lang="de-DE" smtClean="0"/>
-              <a:t>19.09.2014</a:t>
+              <a:t>22.09.2014</a:t>
             </a:fld>
             <a:endParaRPr lang="de-DE"/>
           </a:p>
@@ -3995,7 +3995,6 @@
         <p:nvCxnSpPr>
           <p:cNvPr id="17" name="Straight Arrow Connector 16"/>
           <p:cNvCxnSpPr>
-            <a:stCxn id="8" idx="3"/>
             <a:endCxn id="10" idx="1"/>
           </p:cNvCxnSpPr>
           <p:nvPr/>
@@ -4003,13 +4002,14 @@
         <p:spPr>
           <a:xfrm flipV="1">
             <a:off x="1827312" y="1268760"/>
-            <a:ext cx="1520552" cy="1092317"/>
+            <a:ext cx="1520552" cy="918103"/>
           </a:xfrm>
           <a:prstGeom prst="straightConnector1">
             <a:avLst/>
           </a:prstGeom>
           <a:ln>
-            <a:tailEnd type="arrow"/>
+            <a:headEnd type="arrow" w="med" len="med"/>
+            <a:tailEnd type="arrow" w="med" len="med"/>
           </a:ln>
         </p:spPr>
         <p:style>
@@ -4045,7 +4045,8 @@
             <a:avLst/>
           </a:prstGeom>
           <a:ln>
-            <a:tailEnd type="arrow"/>
+            <a:headEnd type="arrow" w="med" len="med"/>
+            <a:tailEnd type="arrow" w="med" len="med"/>
           </a:ln>
         </p:spPr>
         <p:style>
@@ -4081,7 +4082,8 @@
             <a:avLst/>
           </a:prstGeom>
           <a:ln>
-            <a:tailEnd type="arrow"/>
+            <a:headEnd type="arrow" w="med" len="med"/>
+            <a:tailEnd type="arrow" w="med" len="med"/>
           </a:ln>
         </p:spPr>
         <p:style>
@@ -4103,21 +4105,21 @@
         <p:nvCxnSpPr>
           <p:cNvPr id="24" name="Straight Arrow Connector 23"/>
           <p:cNvCxnSpPr>
-            <a:stCxn id="8" idx="3"/>
             <a:endCxn id="14" idx="1"/>
           </p:cNvCxnSpPr>
           <p:nvPr/>
         </p:nvCxnSpPr>
         <p:spPr>
           <a:xfrm>
-            <a:off x="1827312" y="2361077"/>
-            <a:ext cx="1527537" cy="1067923"/>
+            <a:off x="1827312" y="2534998"/>
+            <a:ext cx="1527537" cy="894002"/>
           </a:xfrm>
           <a:prstGeom prst="straightConnector1">
             <a:avLst/>
           </a:prstGeom>
           <a:ln>
-            <a:tailEnd type="arrow"/>
+            <a:headEnd type="arrow" w="med" len="med"/>
+            <a:tailEnd type="arrow" w="med" len="med"/>
           </a:ln>
         </p:spPr>
         <p:style>
@@ -4290,7 +4292,8 @@
             <a:avLst/>
           </a:prstGeom>
           <a:ln>
-            <a:tailEnd type="arrow"/>
+            <a:headEnd type="arrow" w="med" len="med"/>
+            <a:tailEnd type="arrow" w="med" len="med"/>
           </a:ln>
         </p:spPr>
         <p:style>
@@ -4323,7 +4326,8 @@
             <a:avLst/>
           </a:prstGeom>
           <a:ln>
-            <a:tailEnd type="arrow"/>
+            <a:headEnd type="arrow" w="med" len="med"/>
+            <a:tailEnd type="arrow" w="med" len="med"/>
           </a:ln>
         </p:spPr>
         <p:style>
@@ -4356,7 +4360,8 @@
             <a:avLst/>
           </a:prstGeom>
           <a:ln>
-            <a:tailEnd type="arrow"/>
+            <a:headEnd type="arrow" w="med" len="med"/>
+            <a:tailEnd type="arrow" w="med" len="med"/>
           </a:ln>
         </p:spPr>
         <p:style>
@@ -4389,7 +4394,8 @@
             <a:avLst/>
           </a:prstGeom>
           <a:ln>
-            <a:tailEnd type="arrow"/>
+            <a:headEnd type="arrow" w="med" len="med"/>
+            <a:tailEnd type="arrow" w="med" len="med"/>
           </a:ln>
         </p:spPr>
         <p:style>
@@ -4530,7 +4536,8 @@
             <a:avLst/>
           </a:prstGeom>
           <a:ln>
-            <a:tailEnd type="arrow"/>
+            <a:headEnd type="arrow" w="med" len="med"/>
+            <a:tailEnd type="arrow" w="med" len="med"/>
           </a:ln>
         </p:spPr>
         <p:style>
@@ -4566,43 +4573,8 @@
             <a:avLst/>
           </a:prstGeom>
           <a:ln>
-            <a:tailEnd type="arrow"/>
-          </a:ln>
-        </p:spPr>
-        <p:style>
-          <a:lnRef idx="1">
-            <a:schemeClr val="dk1"/>
-          </a:lnRef>
-          <a:fillRef idx="0">
-            <a:schemeClr val="dk1"/>
-          </a:fillRef>
-          <a:effectRef idx="0">
-            <a:schemeClr val="dk1"/>
-          </a:effectRef>
-          <a:fontRef idx="minor">
-            <a:schemeClr val="tx1"/>
-          </a:fontRef>
-        </p:style>
-      </p:cxnSp>
-      <p:cxnSp>
-        <p:nvCxnSpPr>
-          <p:cNvPr id="57" name="Straight Arrow Connector 56"/>
-          <p:cNvCxnSpPr>
-            <a:stCxn id="29" idx="3"/>
-            <a:endCxn id="38" idx="1"/>
-          </p:cNvCxnSpPr>
-          <p:nvPr/>
-        </p:nvCxnSpPr>
-        <p:spPr>
-          <a:xfrm flipV="1">
-            <a:off x="4987280" y="1670321"/>
-            <a:ext cx="1240904" cy="324036"/>
-          </a:xfrm>
-          <a:prstGeom prst="straightConnector1">
-            <a:avLst/>
-          </a:prstGeom>
-          <a:ln>
-            <a:tailEnd type="arrow"/>
+            <a:headEnd type="arrow" w="med" len="med"/>
+            <a:tailEnd type="arrow" w="med" len="med"/>
           </a:ln>
         </p:spPr>
         <p:style>
@@ -4637,7 +4609,8 @@
             <a:avLst/>
           </a:prstGeom>
           <a:ln>
-            <a:tailEnd type="arrow"/>
+            <a:headEnd type="arrow" w="med" len="med"/>
+            <a:tailEnd type="arrow" w="med" len="med"/>
           </a:ln>
         </p:spPr>
         <p:style>
@@ -4672,7 +4645,8 @@
             <a:avLst/>
           </a:prstGeom>
           <a:ln>
-            <a:tailEnd type="arrow"/>
+            <a:headEnd type="arrow" w="med" len="med"/>
+            <a:tailEnd type="arrow" w="med" len="med"/>
           </a:ln>
         </p:spPr>
         <p:style>
@@ -4772,7 +4746,7 @@
         </p:nvSpPr>
         <p:spPr>
           <a:xfrm>
-            <a:off x="2151349" y="1141429"/>
+            <a:off x="2430335" y="1141429"/>
             <a:ext cx="432047" cy="2579077"/>
           </a:xfrm>
           <a:prstGeom prst="rect">
@@ -4817,7 +4791,7 @@
         </p:nvSpPr>
         <p:spPr>
           <a:xfrm>
-            <a:off x="2151349" y="1091623"/>
+            <a:off x="2430335" y="1091623"/>
             <a:ext cx="485481" cy="276999"/>
           </a:xfrm>
           <a:prstGeom prst="rect">
